--- a/data pipeline presentation short.pptx
+++ b/data pipeline presentation short.pptx
@@ -150,97 +150,37 @@
       <pc:docMkLst>
         <pc:docMk/>
       </pc:docMkLst>
-      <pc:sldChg chg="del">
-        <pc:chgData name="James Anderson" userId="9a18bbd8-abd4-43f9-972b-6c512910c8b2" providerId="ADAL" clId="{B3835DAA-4972-41D8-BBAE-8A9F970B11DC}" dt="2023-11-02T16:14:59.423" v="0" actId="2696"/>
+    </pc:docChg>
+  </pc:docChgLst>
+  <pc:docChgLst>
+    <pc:chgData name="James Anderson" userId="9a18bbd8-abd4-43f9-972b-6c512910c8b2" providerId="ADAL" clId="{9F60646E-BFC7-471A-9028-06C120C59ABD}"/>
+    <pc:docChg chg="custSel modSld">
+      <pc:chgData name="James Anderson" userId="9a18bbd8-abd4-43f9-972b-6c512910c8b2" providerId="ADAL" clId="{9F60646E-BFC7-471A-9028-06C120C59ABD}" dt="2023-11-06T21:02:13.503" v="6" actId="1076"/>
+      <pc:docMkLst>
+        <pc:docMk/>
+      </pc:docMkLst>
+      <pc:sldChg chg="addSp delSp modSp">
+        <pc:chgData name="James Anderson" userId="9a18bbd8-abd4-43f9-972b-6c512910c8b2" providerId="ADAL" clId="{9F60646E-BFC7-471A-9028-06C120C59ABD}" dt="2023-11-06T21:02:13.503" v="6" actId="1076"/>
         <pc:sldMkLst>
           <pc:docMk/>
-          <pc:sldMk cId="2603291928" sldId="263"/>
+          <pc:sldMk cId="2472740595" sldId="286"/>
         </pc:sldMkLst>
-      </pc:sldChg>
-      <pc:sldChg chg="del">
-        <pc:chgData name="James Anderson" userId="9a18bbd8-abd4-43f9-972b-6c512910c8b2" providerId="ADAL" clId="{B3835DAA-4972-41D8-BBAE-8A9F970B11DC}" dt="2023-11-02T16:15:02.662" v="1" actId="2696"/>
-        <pc:sldMkLst>
-          <pc:docMk/>
-          <pc:sldMk cId="1849100820" sldId="264"/>
-        </pc:sldMkLst>
-      </pc:sldChg>
-      <pc:sldChg chg="modSp del">
-        <pc:chgData name="James Anderson" userId="9a18bbd8-abd4-43f9-972b-6c512910c8b2" providerId="ADAL" clId="{B3835DAA-4972-41D8-BBAE-8A9F970B11DC}" dt="2023-11-02T16:15:18.358" v="4" actId="2696"/>
-        <pc:sldMkLst>
-          <pc:docMk/>
-          <pc:sldMk cId="594684355" sldId="265"/>
-        </pc:sldMkLst>
-        <pc:spChg chg="mod">
-          <ac:chgData name="James Anderson" userId="9a18bbd8-abd4-43f9-972b-6c512910c8b2" providerId="ADAL" clId="{B3835DAA-4972-41D8-BBAE-8A9F970B11DC}" dt="2023-11-02T16:15:06.290" v="2" actId="20577"/>
-          <ac:spMkLst>
+        <pc:picChg chg="add mod">
+          <ac:chgData name="James Anderson" userId="9a18bbd8-abd4-43f9-972b-6c512910c8b2" providerId="ADAL" clId="{9F60646E-BFC7-471A-9028-06C120C59ABD}" dt="2023-11-06T21:02:13.503" v="6" actId="1076"/>
+          <ac:picMkLst>
             <pc:docMk/>
-            <pc:sldMk cId="594684355" sldId="265"/>
-            <ac:spMk id="2" creationId="{F6838AA9-CCA8-8C45-E217-0B9D48D98491}"/>
-          </ac:spMkLst>
-        </pc:spChg>
-      </pc:sldChg>
-      <pc:sldChg chg="del">
-        <pc:chgData name="James Anderson" userId="9a18bbd8-abd4-43f9-972b-6c512910c8b2" providerId="ADAL" clId="{B3835DAA-4972-41D8-BBAE-8A9F970B11DC}" dt="2023-11-02T16:15:18.349" v="3" actId="2696"/>
-        <pc:sldMkLst>
-          <pc:docMk/>
-          <pc:sldMk cId="1504821310" sldId="266"/>
-        </pc:sldMkLst>
-      </pc:sldChg>
-      <pc:sldChg chg="del">
-        <pc:chgData name="James Anderson" userId="9a18bbd8-abd4-43f9-972b-6c512910c8b2" providerId="ADAL" clId="{B3835DAA-4972-41D8-BBAE-8A9F970B11DC}" dt="2023-11-02T16:15:21.774" v="5" actId="2696"/>
-        <pc:sldMkLst>
-          <pc:docMk/>
-          <pc:sldMk cId="324847047" sldId="267"/>
-        </pc:sldMkLst>
-      </pc:sldChg>
-      <pc:sldChg chg="del">
-        <pc:chgData name="James Anderson" userId="9a18bbd8-abd4-43f9-972b-6c512910c8b2" providerId="ADAL" clId="{B3835DAA-4972-41D8-BBAE-8A9F970B11DC}" dt="2023-11-02T16:16:04.275" v="12" actId="2696"/>
-        <pc:sldMkLst>
-          <pc:docMk/>
-          <pc:sldMk cId="3115651223" sldId="271"/>
-        </pc:sldMkLst>
-      </pc:sldChg>
-      <pc:sldChg chg="del">
-        <pc:chgData name="James Anderson" userId="9a18bbd8-abd4-43f9-972b-6c512910c8b2" providerId="ADAL" clId="{B3835DAA-4972-41D8-BBAE-8A9F970B11DC}" dt="2023-11-02T16:16:04.275" v="11" actId="2696"/>
-        <pc:sldMkLst>
-          <pc:docMk/>
-          <pc:sldMk cId="3463504740" sldId="272"/>
-        </pc:sldMkLst>
-      </pc:sldChg>
-      <pc:sldChg chg="del">
-        <pc:chgData name="James Anderson" userId="9a18bbd8-abd4-43f9-972b-6c512910c8b2" providerId="ADAL" clId="{B3835DAA-4972-41D8-BBAE-8A9F970B11DC}" dt="2023-11-02T16:16:04.273" v="10" actId="2696"/>
-        <pc:sldMkLst>
-          <pc:docMk/>
-          <pc:sldMk cId="2803019478" sldId="273"/>
-        </pc:sldMkLst>
-      </pc:sldChg>
-      <pc:sldChg chg="del">
-        <pc:chgData name="James Anderson" userId="9a18bbd8-abd4-43f9-972b-6c512910c8b2" providerId="ADAL" clId="{B3835DAA-4972-41D8-BBAE-8A9F970B11DC}" dt="2023-11-02T16:16:04.272" v="9" actId="2696"/>
-        <pc:sldMkLst>
-          <pc:docMk/>
-          <pc:sldMk cId="990886369" sldId="274"/>
-        </pc:sldMkLst>
-      </pc:sldChg>
-      <pc:sldChg chg="del">
-        <pc:chgData name="James Anderson" userId="9a18bbd8-abd4-43f9-972b-6c512910c8b2" providerId="ADAL" clId="{B3835DAA-4972-41D8-BBAE-8A9F970B11DC}" dt="2023-11-02T16:15:40.286" v="6" actId="2696"/>
-        <pc:sldMkLst>
-          <pc:docMk/>
-          <pc:sldMk cId="3848998165" sldId="296"/>
-        </pc:sldMkLst>
-      </pc:sldChg>
-      <pc:sldChg chg="del">
-        <pc:chgData name="James Anderson" userId="9a18bbd8-abd4-43f9-972b-6c512910c8b2" providerId="ADAL" clId="{B3835DAA-4972-41D8-BBAE-8A9F970B11DC}" dt="2023-11-02T16:15:40.298" v="7" actId="2696"/>
-        <pc:sldMkLst>
-          <pc:docMk/>
-          <pc:sldMk cId="36077290" sldId="298"/>
-        </pc:sldMkLst>
-      </pc:sldChg>
-      <pc:sldChg chg="del">
-        <pc:chgData name="James Anderson" userId="9a18bbd8-abd4-43f9-972b-6c512910c8b2" providerId="ADAL" clId="{B3835DAA-4972-41D8-BBAE-8A9F970B11DC}" dt="2023-11-02T16:15:40.311" v="8" actId="2696"/>
-        <pc:sldMkLst>
-          <pc:docMk/>
-          <pc:sldMk cId="131937334" sldId="299"/>
-        </pc:sldMkLst>
+            <pc:sldMk cId="2472740595" sldId="286"/>
+            <ac:picMk id="4" creationId="{FACF9B90-BFF6-413D-B96F-EC7F367F7CA6}"/>
+          </ac:picMkLst>
+        </pc:picChg>
+        <pc:picChg chg="del mod">
+          <ac:chgData name="James Anderson" userId="9a18bbd8-abd4-43f9-972b-6c512910c8b2" providerId="ADAL" clId="{9F60646E-BFC7-471A-9028-06C120C59ABD}" dt="2023-11-06T21:02:03.105" v="2" actId="478"/>
+          <ac:picMkLst>
+            <pc:docMk/>
+            <pc:sldMk cId="2472740595" sldId="286"/>
+            <ac:picMk id="6" creationId="{F722D514-9BD4-5F10-CD54-FF58DA7EFE40}"/>
+          </ac:picMkLst>
+        </pc:picChg>
       </pc:sldChg>
     </pc:docChg>
   </pc:docChgLst>
@@ -5911,7 +5851,7 @@
           <a:p>
             <a:fld id="{D53F82A3-5028-4EEA-AA89-A0B534E73FA8}" type="datetimeFigureOut">
               <a:rPr lang="en-US" smtClean="0"/>
-              <a:t>11/2/2023</a:t>
+              <a:t>11/6/2023</a:t>
             </a:fld>
             <a:endParaRPr lang="en-US"/>
           </a:p>
@@ -6109,7 +6049,7 @@
           <a:p>
             <a:fld id="{D53F82A3-5028-4EEA-AA89-A0B534E73FA8}" type="datetimeFigureOut">
               <a:rPr lang="en-US" smtClean="0"/>
-              <a:t>11/2/2023</a:t>
+              <a:t>11/6/2023</a:t>
             </a:fld>
             <a:endParaRPr lang="en-US"/>
           </a:p>
@@ -6317,7 +6257,7 @@
           <a:p>
             <a:fld id="{D53F82A3-5028-4EEA-AA89-A0B534E73FA8}" type="datetimeFigureOut">
               <a:rPr lang="en-US" smtClean="0"/>
-              <a:t>11/2/2023</a:t>
+              <a:t>11/6/2023</a:t>
             </a:fld>
             <a:endParaRPr lang="en-US"/>
           </a:p>
@@ -6515,7 +6455,7 @@
           <a:p>
             <a:fld id="{D53F82A3-5028-4EEA-AA89-A0B534E73FA8}" type="datetimeFigureOut">
               <a:rPr lang="en-US" smtClean="0"/>
-              <a:t>11/2/2023</a:t>
+              <a:t>11/6/2023</a:t>
             </a:fld>
             <a:endParaRPr lang="en-US"/>
           </a:p>
@@ -6790,7 +6730,7 @@
           <a:p>
             <a:fld id="{D53F82A3-5028-4EEA-AA89-A0B534E73FA8}" type="datetimeFigureOut">
               <a:rPr lang="en-US" smtClean="0"/>
-              <a:t>11/2/2023</a:t>
+              <a:t>11/6/2023</a:t>
             </a:fld>
             <a:endParaRPr lang="en-US"/>
           </a:p>
@@ -7055,7 +6995,7 @@
           <a:p>
             <a:fld id="{D53F82A3-5028-4EEA-AA89-A0B534E73FA8}" type="datetimeFigureOut">
               <a:rPr lang="en-US" smtClean="0"/>
-              <a:t>11/2/2023</a:t>
+              <a:t>11/6/2023</a:t>
             </a:fld>
             <a:endParaRPr lang="en-US"/>
           </a:p>
@@ -7467,7 +7407,7 @@
           <a:p>
             <a:fld id="{D53F82A3-5028-4EEA-AA89-A0B534E73FA8}" type="datetimeFigureOut">
               <a:rPr lang="en-US" smtClean="0"/>
-              <a:t>11/2/2023</a:t>
+              <a:t>11/6/2023</a:t>
             </a:fld>
             <a:endParaRPr lang="en-US"/>
           </a:p>
@@ -7608,7 +7548,7 @@
           <a:p>
             <a:fld id="{D53F82A3-5028-4EEA-AA89-A0B534E73FA8}" type="datetimeFigureOut">
               <a:rPr lang="en-US" smtClean="0"/>
-              <a:t>11/2/2023</a:t>
+              <a:t>11/6/2023</a:t>
             </a:fld>
             <a:endParaRPr lang="en-US"/>
           </a:p>
@@ -7721,7 +7661,7 @@
           <a:p>
             <a:fld id="{D53F82A3-5028-4EEA-AA89-A0B534E73FA8}" type="datetimeFigureOut">
               <a:rPr lang="en-US" smtClean="0"/>
-              <a:t>11/2/2023</a:t>
+              <a:t>11/6/2023</a:t>
             </a:fld>
             <a:endParaRPr lang="en-US"/>
           </a:p>
@@ -8032,7 +7972,7 @@
           <a:p>
             <a:fld id="{D53F82A3-5028-4EEA-AA89-A0B534E73FA8}" type="datetimeFigureOut">
               <a:rPr lang="en-US" smtClean="0"/>
-              <a:t>11/2/2023</a:t>
+              <a:t>11/6/2023</a:t>
             </a:fld>
             <a:endParaRPr lang="en-US"/>
           </a:p>
@@ -8320,7 +8260,7 @@
           <a:p>
             <a:fld id="{D53F82A3-5028-4EEA-AA89-A0B534E73FA8}" type="datetimeFigureOut">
               <a:rPr lang="en-US" smtClean="0"/>
-              <a:t>11/2/2023</a:t>
+              <a:t>11/6/2023</a:t>
             </a:fld>
             <a:endParaRPr lang="en-US"/>
           </a:p>
@@ -8561,7 +8501,7 @@
           <a:p>
             <a:fld id="{D53F82A3-5028-4EEA-AA89-A0B534E73FA8}" type="datetimeFigureOut">
               <a:rPr lang="en-US" smtClean="0"/>
-              <a:t>11/2/2023</a:t>
+              <a:t>11/6/2023</a:t>
             </a:fld>
             <a:endParaRPr lang="en-US"/>
           </a:p>
@@ -10637,7 +10577,7 @@
             <a:round/>
             <a:extLst>
               <a:ext uri="{C807C97D-BFC1-408E-A445-0C87EB9F89A2}">
-                <ask:lineSketchStyleProps xmlns="" xmlns:ask="http://schemas.microsoft.com/office/drawing/2018/sketchyshapes" sd="1219033472">
+                <ask:lineSketchStyleProps xmlns:ask="http://schemas.microsoft.com/office/drawing/2018/sketchyshapes" xmlns="" sd="1219033472">
                   <a:prstGeom prst="rect">
                     <a:avLst/>
                   </a:prstGeom>
@@ -11132,7 +11072,7 @@
             <a:round/>
             <a:extLst>
               <a:ext uri="{C807C97D-BFC1-408E-A445-0C87EB9F89A2}">
-                <ask:lineSketchStyleProps xmlns="" xmlns:ask="http://schemas.microsoft.com/office/drawing/2018/sketchyshapes" sd="1219033472">
+                <ask:lineSketchStyleProps xmlns:ask="http://schemas.microsoft.com/office/drawing/2018/sketchyshapes" xmlns="" sd="1219033472">
                   <a:prstGeom prst="rect">
                     <a:avLst/>
                   </a:prstGeom>
@@ -11653,7 +11593,7 @@
             <a:round/>
             <a:extLst>
               <a:ext uri="{C807C97D-BFC1-408E-A445-0C87EB9F89A2}">
-                <ask:lineSketchStyleProps xmlns="" xmlns:ask="http://schemas.microsoft.com/office/drawing/2018/sketchyshapes" sd="1219033472">
+                <ask:lineSketchStyleProps xmlns:ask="http://schemas.microsoft.com/office/drawing/2018/sketchyshapes" xmlns="" sd="1219033472">
                   <a:prstGeom prst="rect">
                     <a:avLst/>
                   </a:prstGeom>
@@ -15697,10 +15637,10 @@
       </p:sp>
       <p:pic>
         <p:nvPicPr>
-          <p:cNvPr id="6" name="Picture 5">
-            <a:extLst>
-              <a:ext uri="{FF2B5EF4-FFF2-40B4-BE49-F238E27FC236}">
-                <a16:creationId xmlns:a16="http://schemas.microsoft.com/office/drawing/2014/main" id="{F722D514-9BD4-5F10-CD54-FF58DA7EFE40}"/>
+          <p:cNvPr id="4" name="Picture 3">
+            <a:extLst>
+              <a:ext uri="{FF2B5EF4-FFF2-40B4-BE49-F238E27FC236}">
+                <a16:creationId xmlns:a16="http://schemas.microsoft.com/office/drawing/2014/main" id="{FACF9B90-BFF6-413D-B96F-EC7F367F7CA6}"/>
               </a:ext>
             </a:extLst>
           </p:cNvPr>
@@ -15709,15 +15649,16 @@
           </p:cNvPicPr>
           <p:nvPr/>
         </p:nvPicPr>
-        <p:blipFill rotWithShape="1">
+        <p:blipFill>
           <a:blip r:embed="rId2"/>
-          <a:srcRect l="8950" r="19354" b="-2"/>
-          <a:stretch/>
+          <a:stretch>
+            <a:fillRect/>
+          </a:stretch>
         </p:blipFill>
         <p:spPr>
           <a:xfrm>
-            <a:off x="5977788" y="799352"/>
-            <a:ext cx="5425410" cy="5259296"/>
+            <a:off x="5815229" y="1203444"/>
+            <a:ext cx="5852090" cy="4451111"/>
           </a:xfrm>
           <a:prstGeom prst="rect">
             <a:avLst/>
@@ -16947,7 +16888,7 @@
             <a:round/>
             <a:extLst>
               <a:ext uri="{C807C97D-BFC1-408E-A445-0C87EB9F89A2}">
-                <ask:lineSketchStyleProps xmlns="" xmlns:ask="http://schemas.microsoft.com/office/drawing/2018/sketchyshapes" sd="2863741219">
+                <ask:lineSketchStyleProps xmlns:ask="http://schemas.microsoft.com/office/drawing/2018/sketchyshapes" xmlns="" sd="2863741219">
                   <a:prstGeom prst="rect">
                     <a:avLst/>
                   </a:prstGeom>
@@ -17467,7 +17408,7 @@
             <a:round/>
             <a:extLst>
               <a:ext uri="{C807C97D-BFC1-408E-A445-0C87EB9F89A2}">
-                <ask:lineSketchStyleProps xmlns="" xmlns:ask="http://schemas.microsoft.com/office/drawing/2018/sketchyshapes" sd="2863741219">
+                <ask:lineSketchStyleProps xmlns:ask="http://schemas.microsoft.com/office/drawing/2018/sketchyshapes" xmlns="" sd="2863741219">
                   <a:prstGeom prst="rect">
                     <a:avLst/>
                   </a:prstGeom>
@@ -18101,7 +18042,7 @@
             <a:round/>
             <a:extLst>
               <a:ext uri="{C807C97D-BFC1-408E-A445-0C87EB9F89A2}">
-                <ask:lineSketchStyleProps xmlns="" xmlns:ask="http://schemas.microsoft.com/office/drawing/2018/sketchyshapes" sd="2727557108">
+                <ask:lineSketchStyleProps xmlns:ask="http://schemas.microsoft.com/office/drawing/2018/sketchyshapes" xmlns="" sd="2727557108">
                   <a:prstGeom prst="rect">
                     <a:avLst/>
                   </a:prstGeom>
@@ -18693,7 +18634,7 @@
             <a:round/>
             <a:extLst>
               <a:ext uri="{C807C97D-BFC1-408E-A445-0C87EB9F89A2}">
-                <ask:lineSketchStyleProps xmlns="" xmlns:ask="http://schemas.microsoft.com/office/drawing/2018/sketchyshapes" sd="2727557108">
+                <ask:lineSketchStyleProps xmlns:ask="http://schemas.microsoft.com/office/drawing/2018/sketchyshapes" xmlns="" sd="2727557108">
                   <a:prstGeom prst="rect">
                     <a:avLst/>
                   </a:prstGeom>
@@ -20382,7 +20323,7 @@
             <a:round/>
             <a:extLst>
               <a:ext uri="{C807C97D-BFC1-408E-A445-0C87EB9F89A2}">
-                <ask:lineSketchStyleProps xmlns="" xmlns:ask="http://schemas.microsoft.com/office/drawing/2018/sketchyshapes" sd="1219033472">
+                <ask:lineSketchStyleProps xmlns:ask="http://schemas.microsoft.com/office/drawing/2018/sketchyshapes" xmlns="" sd="1219033472">
                   <a:prstGeom prst="rect">
                     <a:avLst/>
                   </a:prstGeom>
@@ -22313,7 +22254,7 @@
             <a:round/>
             <a:extLst>
               <a:ext uri="{C807C97D-BFC1-408E-A445-0C87EB9F89A2}">
-                <ask:lineSketchStyleProps xmlns="" xmlns:ask="http://schemas.microsoft.com/office/drawing/2018/sketchyshapes" sd="1219033472">
+                <ask:lineSketchStyleProps xmlns:ask="http://schemas.microsoft.com/office/drawing/2018/sketchyshapes" xmlns="" sd="1219033472">
                   <a:prstGeom prst="rect">
                     <a:avLst/>
                   </a:prstGeom>
@@ -24045,15 +23986,6 @@
 </file>
 
 <file path=customXml/item1.xml><?xml version="1.0" encoding="utf-8"?>
-<?mso-contentType ?>
-<FormTemplates xmlns="http://schemas.microsoft.com/sharepoint/v3/contenttype/forms">
-  <Display>DocumentLibraryForm</Display>
-  <Edit>DocumentLibraryForm</Edit>
-  <New>DocumentLibraryForm</New>
-</FormTemplates>
-</file>
-
-<file path=customXml/item2.xml><?xml version="1.0" encoding="utf-8"?>
 <ct:contentTypeSchema xmlns:ct="http://schemas.microsoft.com/office/2006/metadata/contentType" xmlns:ma="http://schemas.microsoft.com/office/2006/metadata/properties/metaAttributes" ct:_="" ma:_="" ma:contentTypeName="Document" ma:contentTypeID="0x0101006040EA35D1C55346B977F7E843A67300" ma:contentTypeVersion="16" ma:contentTypeDescription="Create a new document." ma:contentTypeScope="" ma:versionID="605bdb11ee391e0f21fb57f5c0e081bc">
   <xsd:schema xmlns:xsd="http://www.w3.org/2001/XMLSchema" xmlns:xs="http://www.w3.org/2001/XMLSchema" xmlns:p="http://schemas.microsoft.com/office/2006/metadata/properties" xmlns:ns3="ef992673-7805-4344-856a-142f314d9a2e" xmlns:ns4="d263fe8d-9f2d-4a1d-8452-ec009a6e23e2" targetNamespace="http://schemas.microsoft.com/office/2006/metadata/properties" ma:root="true" ma:fieldsID="0212d226825d70b5d8b990c8140bf09b" ns3:_="" ns4:_="">
     <xsd:import namespace="ef992673-7805-4344-856a-142f314d9a2e"/>
@@ -24294,6 +24226,15 @@
 </ct:contentTypeSchema>
 </file>
 
+<file path=customXml/item2.xml><?xml version="1.0" encoding="utf-8"?>
+<?mso-contentType ?>
+<FormTemplates xmlns="http://schemas.microsoft.com/sharepoint/v3/contenttype/forms">
+  <Display>DocumentLibraryForm</Display>
+  <Edit>DocumentLibraryForm</Edit>
+  <New>DocumentLibraryForm</New>
+</FormTemplates>
+</file>
+
 <file path=customXml/item3.xml><?xml version="1.0" encoding="utf-8"?>
 <p:properties xmlns:p="http://schemas.microsoft.com/office/2006/metadata/properties" xmlns:xsi="http://www.w3.org/2001/XMLSchema-instance" xmlns:pc="http://schemas.microsoft.com/office/infopath/2007/PartnerControls">
   <documentManagement>
@@ -24303,14 +24244,6 @@
 </file>
 
 <file path=customXml/itemProps1.xml><?xml version="1.0" encoding="utf-8"?>
-<ds:datastoreItem xmlns:ds="http://schemas.openxmlformats.org/officeDocument/2006/customXml" ds:itemID="{E6208262-CBED-4D14-BE28-F538F763D595}">
-  <ds:schemaRefs>
-    <ds:schemaRef ds:uri="http://schemas.microsoft.com/sharepoint/v3/contenttype/forms"/>
-  </ds:schemaRefs>
-</ds:datastoreItem>
-</file>
-
-<file path=customXml/itemProps2.xml><?xml version="1.0" encoding="utf-8"?>
 <ds:datastoreItem xmlns:ds="http://schemas.openxmlformats.org/officeDocument/2006/customXml" ds:itemID="{3536141C-F79F-4D8D-9EB9-38AFA39FAF78}">
   <ds:schemaRefs>
     <ds:schemaRef ds:uri="http://schemas.microsoft.com/office/2006/metadata/contentType"/>
@@ -24329,19 +24262,27 @@
 </ds:datastoreItem>
 </file>
 
+<file path=customXml/itemProps2.xml><?xml version="1.0" encoding="utf-8"?>
+<ds:datastoreItem xmlns:ds="http://schemas.openxmlformats.org/officeDocument/2006/customXml" ds:itemID="{E6208262-CBED-4D14-BE28-F538F763D595}">
+  <ds:schemaRefs>
+    <ds:schemaRef ds:uri="http://schemas.microsoft.com/sharepoint/v3/contenttype/forms"/>
+  </ds:schemaRefs>
+</ds:datastoreItem>
+</file>
+
 <file path=customXml/itemProps3.xml><?xml version="1.0" encoding="utf-8"?>
 <ds:datastoreItem xmlns:ds="http://schemas.openxmlformats.org/officeDocument/2006/customXml" ds:itemID="{19B07B1F-326B-4041-A2BC-74BA5038C000}">
   <ds:schemaRefs>
+    <ds:schemaRef ds:uri="http://schemas.openxmlformats.org/package/2006/metadata/core-properties"/>
+    <ds:schemaRef ds:uri="http://purl.org/dc/dcmitype/"/>
     <ds:schemaRef ds:uri="http://schemas.microsoft.com/office/2006/documentManagement/types"/>
-    <ds:schemaRef ds:uri="http://schemas.microsoft.com/office/infopath/2007/PartnerControls"/>
     <ds:schemaRef ds:uri="http://purl.org/dc/elements/1.1/"/>
     <ds:schemaRef ds:uri="http://schemas.microsoft.com/office/2006/metadata/properties"/>
     <ds:schemaRef ds:uri="ef992673-7805-4344-856a-142f314d9a2e"/>
     <ds:schemaRef ds:uri="d263fe8d-9f2d-4a1d-8452-ec009a6e23e2"/>
     <ds:schemaRef ds:uri="http://purl.org/dc/terms/"/>
-    <ds:schemaRef ds:uri="http://schemas.openxmlformats.org/package/2006/metadata/core-properties"/>
+    <ds:schemaRef ds:uri="http://schemas.microsoft.com/office/infopath/2007/PartnerControls"/>
     <ds:schemaRef ds:uri="http://www.w3.org/XML/1998/namespace"/>
-    <ds:schemaRef ds:uri="http://purl.org/dc/dcmitype/"/>
   </ds:schemaRefs>
 </ds:datastoreItem>
 </file>